--- a/ppt 16-9/0656.在主里有真平安.pptx
+++ b/ppt 16-9/0656.在主里有真平安.pptx
@@ -5,7 +5,7 @@
     <p:sldMasterId id="2147483648" r:id="rId1"/>
   </p:sldMasterIdLst>
   <p:sldIdLst>
-    <p:sldId id="2459" r:id="rId2"/>
+    <p:sldId id="2460" r:id="rId2"/>
   </p:sldIdLst>
   <p:sldSz cx="12192000" cy="6858000"/>
   <p:notesSz cx="6858000" cy="9144000"/>
@@ -129,7 +129,7 @@
           <p:cNvPr id="2" name="标题 1">
             <a:extLst>
               <a:ext uri="{FF2B5EF4-FFF2-40B4-BE49-F238E27FC236}">
-                <a16:creationId xmlns:a16="http://schemas.microsoft.com/office/drawing/2014/main" id="{A4A53F79-A2DE-D6B5-998B-281554C01822}"/>
+                <a16:creationId xmlns:a16="http://schemas.microsoft.com/office/drawing/2014/main" id="{65146732-74FB-224B-E865-13170B6FDA91}"/>
               </a:ext>
             </a:extLst>
           </p:cNvPr>
@@ -166,7 +166,7 @@
           <p:cNvPr id="3" name="副标题 2">
             <a:extLst>
               <a:ext uri="{FF2B5EF4-FFF2-40B4-BE49-F238E27FC236}">
-                <a16:creationId xmlns:a16="http://schemas.microsoft.com/office/drawing/2014/main" id="{0F9AAE78-1E92-01E9-A824-6E94B0AD4EA2}"/>
+                <a16:creationId xmlns:a16="http://schemas.microsoft.com/office/drawing/2014/main" id="{481037B1-47D9-6A8C-45FD-8E39977413C4}"/>
               </a:ext>
             </a:extLst>
           </p:cNvPr>
@@ -236,7 +236,7 @@
           <p:cNvPr id="4" name="日期占位符 3">
             <a:extLst>
               <a:ext uri="{FF2B5EF4-FFF2-40B4-BE49-F238E27FC236}">
-                <a16:creationId xmlns:a16="http://schemas.microsoft.com/office/drawing/2014/main" id="{A8C9AF3E-1A4B-209E-214C-CAE3ECB345A1}"/>
+                <a16:creationId xmlns:a16="http://schemas.microsoft.com/office/drawing/2014/main" id="{E69514AB-F55C-9791-F7A1-0E70C6DA765B}"/>
               </a:ext>
             </a:extLst>
           </p:cNvPr>
@@ -252,7 +252,7 @@
           <a:bodyPr/>
           <a:lstStyle/>
           <a:p>
-            <a:fld id="{3925E611-F33B-4D86-A510-E589A1F82987}" type="datetimeFigureOut">
+            <a:fld id="{93CA90A2-DA60-4070-AE4C-2C549AB3BE48}" type="datetimeFigureOut">
               <a:rPr lang="zh-CN" altLang="en-US" smtClean="0"/>
               <a:t>2024/3/10</a:t>
             </a:fld>
@@ -265,7 +265,7 @@
           <p:cNvPr id="5" name="页脚占位符 4">
             <a:extLst>
               <a:ext uri="{FF2B5EF4-FFF2-40B4-BE49-F238E27FC236}">
-                <a16:creationId xmlns:a16="http://schemas.microsoft.com/office/drawing/2014/main" id="{753FC44B-61C1-2063-D8B0-5489DFBEBCC3}"/>
+                <a16:creationId xmlns:a16="http://schemas.microsoft.com/office/drawing/2014/main" id="{2D41DEEA-C831-E361-6F5C-E3561AB20151}"/>
               </a:ext>
             </a:extLst>
           </p:cNvPr>
@@ -290,7 +290,7 @@
           <p:cNvPr id="6" name="灯片编号占位符 5">
             <a:extLst>
               <a:ext uri="{FF2B5EF4-FFF2-40B4-BE49-F238E27FC236}">
-                <a16:creationId xmlns:a16="http://schemas.microsoft.com/office/drawing/2014/main" id="{4F7A8F78-844C-F677-6184-E9ADCAFE5D26}"/>
+                <a16:creationId xmlns:a16="http://schemas.microsoft.com/office/drawing/2014/main" id="{D3738622-57FB-18DC-E7D0-C86F71D5895D}"/>
               </a:ext>
             </a:extLst>
           </p:cNvPr>
@@ -306,7 +306,7 @@
           <a:bodyPr/>
           <a:lstStyle/>
           <a:p>
-            <a:fld id="{E0083685-D43B-4DDD-BF01-1726912B6C07}" type="slidenum">
+            <a:fld id="{4168E58A-BFD0-40F4-A8BE-5F72647637DC}" type="slidenum">
               <a:rPr lang="zh-CN" altLang="en-US" smtClean="0"/>
               <a:t>‹#›</a:t>
             </a:fld>
@@ -317,7 +317,7 @@
     </p:spTree>
     <p:extLst>
       <p:ext uri="{BB962C8B-B14F-4D97-AF65-F5344CB8AC3E}">
-        <p14:creationId xmlns:p14="http://schemas.microsoft.com/office/powerpoint/2010/main" val="2736102472"/>
+        <p14:creationId xmlns:p14="http://schemas.microsoft.com/office/powerpoint/2010/main" val="1939563397"/>
       </p:ext>
     </p:extLst>
   </p:cSld>
@@ -349,7 +349,7 @@
           <p:cNvPr id="2" name="标题 1">
             <a:extLst>
               <a:ext uri="{FF2B5EF4-FFF2-40B4-BE49-F238E27FC236}">
-                <a16:creationId xmlns:a16="http://schemas.microsoft.com/office/drawing/2014/main" id="{53478607-8F0F-785D-D9F1-B369AE1E5FAA}"/>
+                <a16:creationId xmlns:a16="http://schemas.microsoft.com/office/drawing/2014/main" id="{1DF4D281-EA91-7ED1-3F3F-DC7BD589B185}"/>
               </a:ext>
             </a:extLst>
           </p:cNvPr>
@@ -377,7 +377,7 @@
           <p:cNvPr id="3" name="竖排文字占位符 2">
             <a:extLst>
               <a:ext uri="{FF2B5EF4-FFF2-40B4-BE49-F238E27FC236}">
-                <a16:creationId xmlns:a16="http://schemas.microsoft.com/office/drawing/2014/main" id="{6335640A-BC85-5D9D-A9E1-822F6AC42F33}"/>
+                <a16:creationId xmlns:a16="http://schemas.microsoft.com/office/drawing/2014/main" id="{C8EED226-CC9F-634F-3FB7-04B64BB437B4}"/>
               </a:ext>
             </a:extLst>
           </p:cNvPr>
@@ -434,7 +434,7 @@
           <p:cNvPr id="4" name="日期占位符 3">
             <a:extLst>
               <a:ext uri="{FF2B5EF4-FFF2-40B4-BE49-F238E27FC236}">
-                <a16:creationId xmlns:a16="http://schemas.microsoft.com/office/drawing/2014/main" id="{7803CE9B-1AB9-3DE0-E062-0478A7A6E96F}"/>
+                <a16:creationId xmlns:a16="http://schemas.microsoft.com/office/drawing/2014/main" id="{C7CDA63C-369A-4CC9-007B-B9269CAEB3C6}"/>
               </a:ext>
             </a:extLst>
           </p:cNvPr>
@@ -450,7 +450,7 @@
           <a:bodyPr/>
           <a:lstStyle/>
           <a:p>
-            <a:fld id="{3925E611-F33B-4D86-A510-E589A1F82987}" type="datetimeFigureOut">
+            <a:fld id="{93CA90A2-DA60-4070-AE4C-2C549AB3BE48}" type="datetimeFigureOut">
               <a:rPr lang="zh-CN" altLang="en-US" smtClean="0"/>
               <a:t>2024/3/10</a:t>
             </a:fld>
@@ -463,7 +463,7 @@
           <p:cNvPr id="5" name="页脚占位符 4">
             <a:extLst>
               <a:ext uri="{FF2B5EF4-FFF2-40B4-BE49-F238E27FC236}">
-                <a16:creationId xmlns:a16="http://schemas.microsoft.com/office/drawing/2014/main" id="{B52B40B6-03E4-BCA1-0BED-579B25DF9005}"/>
+                <a16:creationId xmlns:a16="http://schemas.microsoft.com/office/drawing/2014/main" id="{7DD75205-8267-43CE-60A0-244AB9666EB8}"/>
               </a:ext>
             </a:extLst>
           </p:cNvPr>
@@ -488,7 +488,7 @@
           <p:cNvPr id="6" name="灯片编号占位符 5">
             <a:extLst>
               <a:ext uri="{FF2B5EF4-FFF2-40B4-BE49-F238E27FC236}">
-                <a16:creationId xmlns:a16="http://schemas.microsoft.com/office/drawing/2014/main" id="{42189D94-1F6C-341F-857A-B3D45F0B39A9}"/>
+                <a16:creationId xmlns:a16="http://schemas.microsoft.com/office/drawing/2014/main" id="{B246B7B6-BD15-D9EB-48FE-2390BE4FBC0C}"/>
               </a:ext>
             </a:extLst>
           </p:cNvPr>
@@ -504,7 +504,7 @@
           <a:bodyPr/>
           <a:lstStyle/>
           <a:p>
-            <a:fld id="{E0083685-D43B-4DDD-BF01-1726912B6C07}" type="slidenum">
+            <a:fld id="{4168E58A-BFD0-40F4-A8BE-5F72647637DC}" type="slidenum">
               <a:rPr lang="zh-CN" altLang="en-US" smtClean="0"/>
               <a:t>‹#›</a:t>
             </a:fld>
@@ -515,7 +515,7 @@
     </p:spTree>
     <p:extLst>
       <p:ext uri="{BB962C8B-B14F-4D97-AF65-F5344CB8AC3E}">
-        <p14:creationId xmlns:p14="http://schemas.microsoft.com/office/powerpoint/2010/main" val="2094733985"/>
+        <p14:creationId xmlns:p14="http://schemas.microsoft.com/office/powerpoint/2010/main" val="1886056463"/>
       </p:ext>
     </p:extLst>
   </p:cSld>
@@ -547,7 +547,7 @@
           <p:cNvPr id="2" name="竖排标题 1">
             <a:extLst>
               <a:ext uri="{FF2B5EF4-FFF2-40B4-BE49-F238E27FC236}">
-                <a16:creationId xmlns:a16="http://schemas.microsoft.com/office/drawing/2014/main" id="{BD0A30A3-0246-4A2C-7147-BF968B16833A}"/>
+                <a16:creationId xmlns:a16="http://schemas.microsoft.com/office/drawing/2014/main" id="{6896AC93-12A5-A056-A563-173A516111D5}"/>
               </a:ext>
             </a:extLst>
           </p:cNvPr>
@@ -580,7 +580,7 @@
           <p:cNvPr id="3" name="竖排文字占位符 2">
             <a:extLst>
               <a:ext uri="{FF2B5EF4-FFF2-40B4-BE49-F238E27FC236}">
-                <a16:creationId xmlns:a16="http://schemas.microsoft.com/office/drawing/2014/main" id="{D4513478-0A1A-3BBF-DB64-C98FF7C11A68}"/>
+                <a16:creationId xmlns:a16="http://schemas.microsoft.com/office/drawing/2014/main" id="{F8179398-298F-4321-4E6B-D1B5E12937AA}"/>
               </a:ext>
             </a:extLst>
           </p:cNvPr>
@@ -642,7 +642,7 @@
           <p:cNvPr id="4" name="日期占位符 3">
             <a:extLst>
               <a:ext uri="{FF2B5EF4-FFF2-40B4-BE49-F238E27FC236}">
-                <a16:creationId xmlns:a16="http://schemas.microsoft.com/office/drawing/2014/main" id="{1A7C90DF-542A-4740-5CF6-1123821CEC8D}"/>
+                <a16:creationId xmlns:a16="http://schemas.microsoft.com/office/drawing/2014/main" id="{B410D228-87F8-0902-B7E8-DA938AABF51C}"/>
               </a:ext>
             </a:extLst>
           </p:cNvPr>
@@ -658,7 +658,7 @@
           <a:bodyPr/>
           <a:lstStyle/>
           <a:p>
-            <a:fld id="{3925E611-F33B-4D86-A510-E589A1F82987}" type="datetimeFigureOut">
+            <a:fld id="{93CA90A2-DA60-4070-AE4C-2C549AB3BE48}" type="datetimeFigureOut">
               <a:rPr lang="zh-CN" altLang="en-US" smtClean="0"/>
               <a:t>2024/3/10</a:t>
             </a:fld>
@@ -671,7 +671,7 @@
           <p:cNvPr id="5" name="页脚占位符 4">
             <a:extLst>
               <a:ext uri="{FF2B5EF4-FFF2-40B4-BE49-F238E27FC236}">
-                <a16:creationId xmlns:a16="http://schemas.microsoft.com/office/drawing/2014/main" id="{404F5D5A-B464-7891-DFE7-9C14836F061A}"/>
+                <a16:creationId xmlns:a16="http://schemas.microsoft.com/office/drawing/2014/main" id="{E2790DEA-15B5-12AB-A18A-A26C8F8CB627}"/>
               </a:ext>
             </a:extLst>
           </p:cNvPr>
@@ -696,7 +696,7 @@
           <p:cNvPr id="6" name="灯片编号占位符 5">
             <a:extLst>
               <a:ext uri="{FF2B5EF4-FFF2-40B4-BE49-F238E27FC236}">
-                <a16:creationId xmlns:a16="http://schemas.microsoft.com/office/drawing/2014/main" id="{E3C31DC0-556C-5D7E-DB6C-F70C9C05CD2C}"/>
+                <a16:creationId xmlns:a16="http://schemas.microsoft.com/office/drawing/2014/main" id="{29C4B450-1B88-EC9A-D802-B9DF46FE5358}"/>
               </a:ext>
             </a:extLst>
           </p:cNvPr>
@@ -712,7 +712,7 @@
           <a:bodyPr/>
           <a:lstStyle/>
           <a:p>
-            <a:fld id="{E0083685-D43B-4DDD-BF01-1726912B6C07}" type="slidenum">
+            <a:fld id="{4168E58A-BFD0-40F4-A8BE-5F72647637DC}" type="slidenum">
               <a:rPr lang="zh-CN" altLang="en-US" smtClean="0"/>
               <a:t>‹#›</a:t>
             </a:fld>
@@ -723,7 +723,7 @@
     </p:spTree>
     <p:extLst>
       <p:ext uri="{BB962C8B-B14F-4D97-AF65-F5344CB8AC3E}">
-        <p14:creationId xmlns:p14="http://schemas.microsoft.com/office/powerpoint/2010/main" val="1525432993"/>
+        <p14:creationId xmlns:p14="http://schemas.microsoft.com/office/powerpoint/2010/main" val="503807653"/>
       </p:ext>
     </p:extLst>
   </p:cSld>
@@ -755,7 +755,7 @@
           <p:cNvPr id="2" name="标题 1">
             <a:extLst>
               <a:ext uri="{FF2B5EF4-FFF2-40B4-BE49-F238E27FC236}">
-                <a16:creationId xmlns:a16="http://schemas.microsoft.com/office/drawing/2014/main" id="{258D3326-0810-4CAB-9416-D3F743C64F6D}"/>
+                <a16:creationId xmlns:a16="http://schemas.microsoft.com/office/drawing/2014/main" id="{FBA94A5C-1604-5BF3-EF3E-0C6204BED37C}"/>
               </a:ext>
             </a:extLst>
           </p:cNvPr>
@@ -783,7 +783,7 @@
           <p:cNvPr id="3" name="内容占位符 2">
             <a:extLst>
               <a:ext uri="{FF2B5EF4-FFF2-40B4-BE49-F238E27FC236}">
-                <a16:creationId xmlns:a16="http://schemas.microsoft.com/office/drawing/2014/main" id="{0FAFBD1E-864D-5CCF-3F31-9BA70A1957BC}"/>
+                <a16:creationId xmlns:a16="http://schemas.microsoft.com/office/drawing/2014/main" id="{E5500E56-ED85-48E9-BA1C-19D2BFAC7316}"/>
               </a:ext>
             </a:extLst>
           </p:cNvPr>
@@ -840,7 +840,7 @@
           <p:cNvPr id="4" name="日期占位符 3">
             <a:extLst>
               <a:ext uri="{FF2B5EF4-FFF2-40B4-BE49-F238E27FC236}">
-                <a16:creationId xmlns:a16="http://schemas.microsoft.com/office/drawing/2014/main" id="{26187ED6-6A84-F22A-012D-971C47752EE0}"/>
+                <a16:creationId xmlns:a16="http://schemas.microsoft.com/office/drawing/2014/main" id="{EE6555E1-8E89-E7BC-167A-5CA1003133F4}"/>
               </a:ext>
             </a:extLst>
           </p:cNvPr>
@@ -856,7 +856,7 @@
           <a:bodyPr/>
           <a:lstStyle/>
           <a:p>
-            <a:fld id="{3925E611-F33B-4D86-A510-E589A1F82987}" type="datetimeFigureOut">
+            <a:fld id="{93CA90A2-DA60-4070-AE4C-2C549AB3BE48}" type="datetimeFigureOut">
               <a:rPr lang="zh-CN" altLang="en-US" smtClean="0"/>
               <a:t>2024/3/10</a:t>
             </a:fld>
@@ -869,7 +869,7 @@
           <p:cNvPr id="5" name="页脚占位符 4">
             <a:extLst>
               <a:ext uri="{FF2B5EF4-FFF2-40B4-BE49-F238E27FC236}">
-                <a16:creationId xmlns:a16="http://schemas.microsoft.com/office/drawing/2014/main" id="{4F1F90D2-1F7E-2FC7-331A-518901B724E4}"/>
+                <a16:creationId xmlns:a16="http://schemas.microsoft.com/office/drawing/2014/main" id="{FCFD1388-386A-AB2C-F5A5-C47C295069FE}"/>
               </a:ext>
             </a:extLst>
           </p:cNvPr>
@@ -894,7 +894,7 @@
           <p:cNvPr id="6" name="灯片编号占位符 5">
             <a:extLst>
               <a:ext uri="{FF2B5EF4-FFF2-40B4-BE49-F238E27FC236}">
-                <a16:creationId xmlns:a16="http://schemas.microsoft.com/office/drawing/2014/main" id="{13483EC9-9E85-6CB1-7F62-BAB0100F59C4}"/>
+                <a16:creationId xmlns:a16="http://schemas.microsoft.com/office/drawing/2014/main" id="{547DEFCD-F27D-2F68-F1B5-BE24FFAB025B}"/>
               </a:ext>
             </a:extLst>
           </p:cNvPr>
@@ -910,7 +910,7 @@
           <a:bodyPr/>
           <a:lstStyle/>
           <a:p>
-            <a:fld id="{E0083685-D43B-4DDD-BF01-1726912B6C07}" type="slidenum">
+            <a:fld id="{4168E58A-BFD0-40F4-A8BE-5F72647637DC}" type="slidenum">
               <a:rPr lang="zh-CN" altLang="en-US" smtClean="0"/>
               <a:t>‹#›</a:t>
             </a:fld>
@@ -921,7 +921,7 @@
     </p:spTree>
     <p:extLst>
       <p:ext uri="{BB962C8B-B14F-4D97-AF65-F5344CB8AC3E}">
-        <p14:creationId xmlns:p14="http://schemas.microsoft.com/office/powerpoint/2010/main" val="4168384360"/>
+        <p14:creationId xmlns:p14="http://schemas.microsoft.com/office/powerpoint/2010/main" val="1639234318"/>
       </p:ext>
     </p:extLst>
   </p:cSld>
@@ -953,7 +953,7 @@
           <p:cNvPr id="2" name="标题 1">
             <a:extLst>
               <a:ext uri="{FF2B5EF4-FFF2-40B4-BE49-F238E27FC236}">
-                <a16:creationId xmlns:a16="http://schemas.microsoft.com/office/drawing/2014/main" id="{34653E7F-0BB7-ED0D-094F-1D5C127818DF}"/>
+                <a16:creationId xmlns:a16="http://schemas.microsoft.com/office/drawing/2014/main" id="{0574BD08-A53B-B700-50EA-82F58EF00304}"/>
               </a:ext>
             </a:extLst>
           </p:cNvPr>
@@ -990,7 +990,7 @@
           <p:cNvPr id="3" name="文本占位符 2">
             <a:extLst>
               <a:ext uri="{FF2B5EF4-FFF2-40B4-BE49-F238E27FC236}">
-                <a16:creationId xmlns:a16="http://schemas.microsoft.com/office/drawing/2014/main" id="{7ADD2212-1C2B-612C-CD12-53981FE4E577}"/>
+                <a16:creationId xmlns:a16="http://schemas.microsoft.com/office/drawing/2014/main" id="{00DA74C2-D801-A5E5-F829-62A864DA006A}"/>
               </a:ext>
             </a:extLst>
           </p:cNvPr>
@@ -1115,7 +1115,7 @@
           <p:cNvPr id="4" name="日期占位符 3">
             <a:extLst>
               <a:ext uri="{FF2B5EF4-FFF2-40B4-BE49-F238E27FC236}">
-                <a16:creationId xmlns:a16="http://schemas.microsoft.com/office/drawing/2014/main" id="{C1479676-9F35-F86F-698E-DC8B8CF406D0}"/>
+                <a16:creationId xmlns:a16="http://schemas.microsoft.com/office/drawing/2014/main" id="{D9B353C4-4800-23F0-E0C4-B485F975CE28}"/>
               </a:ext>
             </a:extLst>
           </p:cNvPr>
@@ -1131,7 +1131,7 @@
           <a:bodyPr/>
           <a:lstStyle/>
           <a:p>
-            <a:fld id="{3925E611-F33B-4D86-A510-E589A1F82987}" type="datetimeFigureOut">
+            <a:fld id="{93CA90A2-DA60-4070-AE4C-2C549AB3BE48}" type="datetimeFigureOut">
               <a:rPr lang="zh-CN" altLang="en-US" smtClean="0"/>
               <a:t>2024/3/10</a:t>
             </a:fld>
@@ -1144,7 +1144,7 @@
           <p:cNvPr id="5" name="页脚占位符 4">
             <a:extLst>
               <a:ext uri="{FF2B5EF4-FFF2-40B4-BE49-F238E27FC236}">
-                <a16:creationId xmlns:a16="http://schemas.microsoft.com/office/drawing/2014/main" id="{6CE03C5C-DD0F-D504-A063-C7B829E93704}"/>
+                <a16:creationId xmlns:a16="http://schemas.microsoft.com/office/drawing/2014/main" id="{D61D701C-DBB8-962C-3C99-7B9433F52372}"/>
               </a:ext>
             </a:extLst>
           </p:cNvPr>
@@ -1169,7 +1169,7 @@
           <p:cNvPr id="6" name="灯片编号占位符 5">
             <a:extLst>
               <a:ext uri="{FF2B5EF4-FFF2-40B4-BE49-F238E27FC236}">
-                <a16:creationId xmlns:a16="http://schemas.microsoft.com/office/drawing/2014/main" id="{55CB5EE5-F060-07E8-088D-5F5AC5FB21C2}"/>
+                <a16:creationId xmlns:a16="http://schemas.microsoft.com/office/drawing/2014/main" id="{6DCBDC4A-72CD-AC67-6360-4CF748B89D95}"/>
               </a:ext>
             </a:extLst>
           </p:cNvPr>
@@ -1185,7 +1185,7 @@
           <a:bodyPr/>
           <a:lstStyle/>
           <a:p>
-            <a:fld id="{E0083685-D43B-4DDD-BF01-1726912B6C07}" type="slidenum">
+            <a:fld id="{4168E58A-BFD0-40F4-A8BE-5F72647637DC}" type="slidenum">
               <a:rPr lang="zh-CN" altLang="en-US" smtClean="0"/>
               <a:t>‹#›</a:t>
             </a:fld>
@@ -1196,7 +1196,7 @@
     </p:spTree>
     <p:extLst>
       <p:ext uri="{BB962C8B-B14F-4D97-AF65-F5344CB8AC3E}">
-        <p14:creationId xmlns:p14="http://schemas.microsoft.com/office/powerpoint/2010/main" val="873005209"/>
+        <p14:creationId xmlns:p14="http://schemas.microsoft.com/office/powerpoint/2010/main" val="2424332063"/>
       </p:ext>
     </p:extLst>
   </p:cSld>
@@ -1228,7 +1228,7 @@
           <p:cNvPr id="2" name="标题 1">
             <a:extLst>
               <a:ext uri="{FF2B5EF4-FFF2-40B4-BE49-F238E27FC236}">
-                <a16:creationId xmlns:a16="http://schemas.microsoft.com/office/drawing/2014/main" id="{6C36326A-839C-BFEA-4367-9DC9F4669369}"/>
+                <a16:creationId xmlns:a16="http://schemas.microsoft.com/office/drawing/2014/main" id="{F170681F-BB6B-1762-337C-648CD09F1861}"/>
               </a:ext>
             </a:extLst>
           </p:cNvPr>
@@ -1256,7 +1256,7 @@
           <p:cNvPr id="3" name="内容占位符 2">
             <a:extLst>
               <a:ext uri="{FF2B5EF4-FFF2-40B4-BE49-F238E27FC236}">
-                <a16:creationId xmlns:a16="http://schemas.microsoft.com/office/drawing/2014/main" id="{4739FBAA-2B5C-FB21-D92A-3E9F145EDC21}"/>
+                <a16:creationId xmlns:a16="http://schemas.microsoft.com/office/drawing/2014/main" id="{A5346158-C767-69A2-C02B-B69903F7D6CF}"/>
               </a:ext>
             </a:extLst>
           </p:cNvPr>
@@ -1318,7 +1318,7 @@
           <p:cNvPr id="4" name="内容占位符 3">
             <a:extLst>
               <a:ext uri="{FF2B5EF4-FFF2-40B4-BE49-F238E27FC236}">
-                <a16:creationId xmlns:a16="http://schemas.microsoft.com/office/drawing/2014/main" id="{200E41DA-E788-18E9-D210-5BD869BA1DBB}"/>
+                <a16:creationId xmlns:a16="http://schemas.microsoft.com/office/drawing/2014/main" id="{A3198227-0596-9C2D-C0A2-3E3BB30B0533}"/>
               </a:ext>
             </a:extLst>
           </p:cNvPr>
@@ -1380,7 +1380,7 @@
           <p:cNvPr id="5" name="日期占位符 4">
             <a:extLst>
               <a:ext uri="{FF2B5EF4-FFF2-40B4-BE49-F238E27FC236}">
-                <a16:creationId xmlns:a16="http://schemas.microsoft.com/office/drawing/2014/main" id="{B864966D-4D85-4844-DBB8-7DDA01A103E1}"/>
+                <a16:creationId xmlns:a16="http://schemas.microsoft.com/office/drawing/2014/main" id="{D092009A-3F45-72A7-6F72-BF520245CCAA}"/>
               </a:ext>
             </a:extLst>
           </p:cNvPr>
@@ -1396,7 +1396,7 @@
           <a:bodyPr/>
           <a:lstStyle/>
           <a:p>
-            <a:fld id="{3925E611-F33B-4D86-A510-E589A1F82987}" type="datetimeFigureOut">
+            <a:fld id="{93CA90A2-DA60-4070-AE4C-2C549AB3BE48}" type="datetimeFigureOut">
               <a:rPr lang="zh-CN" altLang="en-US" smtClean="0"/>
               <a:t>2024/3/10</a:t>
             </a:fld>
@@ -1409,7 +1409,7 @@
           <p:cNvPr id="6" name="页脚占位符 5">
             <a:extLst>
               <a:ext uri="{FF2B5EF4-FFF2-40B4-BE49-F238E27FC236}">
-                <a16:creationId xmlns:a16="http://schemas.microsoft.com/office/drawing/2014/main" id="{42482262-1431-A279-EA55-1126DB18706E}"/>
+                <a16:creationId xmlns:a16="http://schemas.microsoft.com/office/drawing/2014/main" id="{89AC1EC5-C3DC-620A-84FF-196D5502CCDB}"/>
               </a:ext>
             </a:extLst>
           </p:cNvPr>
@@ -1434,7 +1434,7 @@
           <p:cNvPr id="7" name="灯片编号占位符 6">
             <a:extLst>
               <a:ext uri="{FF2B5EF4-FFF2-40B4-BE49-F238E27FC236}">
-                <a16:creationId xmlns:a16="http://schemas.microsoft.com/office/drawing/2014/main" id="{D07CD4FC-64F9-C67C-2DB2-E05F6C959721}"/>
+                <a16:creationId xmlns:a16="http://schemas.microsoft.com/office/drawing/2014/main" id="{CA7F8ADE-57DE-804A-0332-0D574B8B6D23}"/>
               </a:ext>
             </a:extLst>
           </p:cNvPr>
@@ -1450,7 +1450,7 @@
           <a:bodyPr/>
           <a:lstStyle/>
           <a:p>
-            <a:fld id="{E0083685-D43B-4DDD-BF01-1726912B6C07}" type="slidenum">
+            <a:fld id="{4168E58A-BFD0-40F4-A8BE-5F72647637DC}" type="slidenum">
               <a:rPr lang="zh-CN" altLang="en-US" smtClean="0"/>
               <a:t>‹#›</a:t>
             </a:fld>
@@ -1461,7 +1461,7 @@
     </p:spTree>
     <p:extLst>
       <p:ext uri="{BB962C8B-B14F-4D97-AF65-F5344CB8AC3E}">
-        <p14:creationId xmlns:p14="http://schemas.microsoft.com/office/powerpoint/2010/main" val="1390354745"/>
+        <p14:creationId xmlns:p14="http://schemas.microsoft.com/office/powerpoint/2010/main" val="3542616902"/>
       </p:ext>
     </p:extLst>
   </p:cSld>
@@ -1493,7 +1493,7 @@
           <p:cNvPr id="2" name="标题 1">
             <a:extLst>
               <a:ext uri="{FF2B5EF4-FFF2-40B4-BE49-F238E27FC236}">
-                <a16:creationId xmlns:a16="http://schemas.microsoft.com/office/drawing/2014/main" id="{A7640145-DAD9-2239-043A-34D256F55771}"/>
+                <a16:creationId xmlns:a16="http://schemas.microsoft.com/office/drawing/2014/main" id="{CD1951DC-DE86-70BF-5850-5814A0A23D9C}"/>
               </a:ext>
             </a:extLst>
           </p:cNvPr>
@@ -1526,7 +1526,7 @@
           <p:cNvPr id="3" name="文本占位符 2">
             <a:extLst>
               <a:ext uri="{FF2B5EF4-FFF2-40B4-BE49-F238E27FC236}">
-                <a16:creationId xmlns:a16="http://schemas.microsoft.com/office/drawing/2014/main" id="{F4734DA5-0626-21E2-75A5-9E84F408C5D9}"/>
+                <a16:creationId xmlns:a16="http://schemas.microsoft.com/office/drawing/2014/main" id="{20EC81CE-A143-C9A7-284B-A6104539A639}"/>
               </a:ext>
             </a:extLst>
           </p:cNvPr>
@@ -1597,7 +1597,7 @@
           <p:cNvPr id="4" name="内容占位符 3">
             <a:extLst>
               <a:ext uri="{FF2B5EF4-FFF2-40B4-BE49-F238E27FC236}">
-                <a16:creationId xmlns:a16="http://schemas.microsoft.com/office/drawing/2014/main" id="{05F27124-610A-AD75-D019-876E84AFD87B}"/>
+                <a16:creationId xmlns:a16="http://schemas.microsoft.com/office/drawing/2014/main" id="{F6C467CF-ED78-D30A-35CD-497156C446AE}"/>
               </a:ext>
             </a:extLst>
           </p:cNvPr>
@@ -1659,7 +1659,7 @@
           <p:cNvPr id="5" name="文本占位符 4">
             <a:extLst>
               <a:ext uri="{FF2B5EF4-FFF2-40B4-BE49-F238E27FC236}">
-                <a16:creationId xmlns:a16="http://schemas.microsoft.com/office/drawing/2014/main" id="{366C6E32-36CB-5B65-CCE1-F00E5476647C}"/>
+                <a16:creationId xmlns:a16="http://schemas.microsoft.com/office/drawing/2014/main" id="{E77F1751-5956-5F20-15F7-E5FCA2D55B6B}"/>
               </a:ext>
             </a:extLst>
           </p:cNvPr>
@@ -1730,7 +1730,7 @@
           <p:cNvPr id="6" name="内容占位符 5">
             <a:extLst>
               <a:ext uri="{FF2B5EF4-FFF2-40B4-BE49-F238E27FC236}">
-                <a16:creationId xmlns:a16="http://schemas.microsoft.com/office/drawing/2014/main" id="{C5E26D94-00E7-9F2E-89C3-F7BD62FEF41B}"/>
+                <a16:creationId xmlns:a16="http://schemas.microsoft.com/office/drawing/2014/main" id="{5B6A5130-94E2-3DD4-F336-F439AF92807C}"/>
               </a:ext>
             </a:extLst>
           </p:cNvPr>
@@ -1792,7 +1792,7 @@
           <p:cNvPr id="7" name="日期占位符 6">
             <a:extLst>
               <a:ext uri="{FF2B5EF4-FFF2-40B4-BE49-F238E27FC236}">
-                <a16:creationId xmlns:a16="http://schemas.microsoft.com/office/drawing/2014/main" id="{8F035527-5673-71B8-87C9-E70CF647E990}"/>
+                <a16:creationId xmlns:a16="http://schemas.microsoft.com/office/drawing/2014/main" id="{6D14FF9B-32D9-116E-C888-6303962B61FF}"/>
               </a:ext>
             </a:extLst>
           </p:cNvPr>
@@ -1808,7 +1808,7 @@
           <a:bodyPr/>
           <a:lstStyle/>
           <a:p>
-            <a:fld id="{3925E611-F33B-4D86-A510-E589A1F82987}" type="datetimeFigureOut">
+            <a:fld id="{93CA90A2-DA60-4070-AE4C-2C549AB3BE48}" type="datetimeFigureOut">
               <a:rPr lang="zh-CN" altLang="en-US" smtClean="0"/>
               <a:t>2024/3/10</a:t>
             </a:fld>
@@ -1821,7 +1821,7 @@
           <p:cNvPr id="8" name="页脚占位符 7">
             <a:extLst>
               <a:ext uri="{FF2B5EF4-FFF2-40B4-BE49-F238E27FC236}">
-                <a16:creationId xmlns:a16="http://schemas.microsoft.com/office/drawing/2014/main" id="{836AE0EA-B25B-8A4E-2FAB-C938C2949263}"/>
+                <a16:creationId xmlns:a16="http://schemas.microsoft.com/office/drawing/2014/main" id="{BDA42A9D-9886-252F-B24A-9E649C749D68}"/>
               </a:ext>
             </a:extLst>
           </p:cNvPr>
@@ -1846,7 +1846,7 @@
           <p:cNvPr id="9" name="灯片编号占位符 8">
             <a:extLst>
               <a:ext uri="{FF2B5EF4-FFF2-40B4-BE49-F238E27FC236}">
-                <a16:creationId xmlns:a16="http://schemas.microsoft.com/office/drawing/2014/main" id="{DA5AB34C-ED9F-533F-A2FE-2E763E6E0350}"/>
+                <a16:creationId xmlns:a16="http://schemas.microsoft.com/office/drawing/2014/main" id="{A87B0AB9-4304-7F46-EDFE-699BA1DA3018}"/>
               </a:ext>
             </a:extLst>
           </p:cNvPr>
@@ -1862,7 +1862,7 @@
           <a:bodyPr/>
           <a:lstStyle/>
           <a:p>
-            <a:fld id="{E0083685-D43B-4DDD-BF01-1726912B6C07}" type="slidenum">
+            <a:fld id="{4168E58A-BFD0-40F4-A8BE-5F72647637DC}" type="slidenum">
               <a:rPr lang="zh-CN" altLang="en-US" smtClean="0"/>
               <a:t>‹#›</a:t>
             </a:fld>
@@ -1873,7 +1873,7 @@
     </p:spTree>
     <p:extLst>
       <p:ext uri="{BB962C8B-B14F-4D97-AF65-F5344CB8AC3E}">
-        <p14:creationId xmlns:p14="http://schemas.microsoft.com/office/powerpoint/2010/main" val="679241840"/>
+        <p14:creationId xmlns:p14="http://schemas.microsoft.com/office/powerpoint/2010/main" val="131722978"/>
       </p:ext>
     </p:extLst>
   </p:cSld>
@@ -1905,7 +1905,7 @@
           <p:cNvPr id="2" name="标题 1">
             <a:extLst>
               <a:ext uri="{FF2B5EF4-FFF2-40B4-BE49-F238E27FC236}">
-                <a16:creationId xmlns:a16="http://schemas.microsoft.com/office/drawing/2014/main" id="{5028E269-2446-FB35-C80E-6031AD921EEF}"/>
+                <a16:creationId xmlns:a16="http://schemas.microsoft.com/office/drawing/2014/main" id="{0F83CCCF-D1BB-DB31-D83D-82885F8562AF}"/>
               </a:ext>
             </a:extLst>
           </p:cNvPr>
@@ -1933,7 +1933,7 @@
           <p:cNvPr id="3" name="日期占位符 2">
             <a:extLst>
               <a:ext uri="{FF2B5EF4-FFF2-40B4-BE49-F238E27FC236}">
-                <a16:creationId xmlns:a16="http://schemas.microsoft.com/office/drawing/2014/main" id="{EA8ADB10-7C1D-5437-91D3-72A55AB0B7B8}"/>
+                <a16:creationId xmlns:a16="http://schemas.microsoft.com/office/drawing/2014/main" id="{74B0BF04-8FFE-55C5-169C-2A12F9F7B548}"/>
               </a:ext>
             </a:extLst>
           </p:cNvPr>
@@ -1949,7 +1949,7 @@
           <a:bodyPr/>
           <a:lstStyle/>
           <a:p>
-            <a:fld id="{3925E611-F33B-4D86-A510-E589A1F82987}" type="datetimeFigureOut">
+            <a:fld id="{93CA90A2-DA60-4070-AE4C-2C549AB3BE48}" type="datetimeFigureOut">
               <a:rPr lang="zh-CN" altLang="en-US" smtClean="0"/>
               <a:t>2024/3/10</a:t>
             </a:fld>
@@ -1962,7 +1962,7 @@
           <p:cNvPr id="4" name="页脚占位符 3">
             <a:extLst>
               <a:ext uri="{FF2B5EF4-FFF2-40B4-BE49-F238E27FC236}">
-                <a16:creationId xmlns:a16="http://schemas.microsoft.com/office/drawing/2014/main" id="{9E8657F8-F347-F2BA-C6D6-CD86B3544650}"/>
+                <a16:creationId xmlns:a16="http://schemas.microsoft.com/office/drawing/2014/main" id="{72BB3C2C-0D99-306A-AF53-2AD03DD8481F}"/>
               </a:ext>
             </a:extLst>
           </p:cNvPr>
@@ -1987,7 +1987,7 @@
           <p:cNvPr id="5" name="灯片编号占位符 4">
             <a:extLst>
               <a:ext uri="{FF2B5EF4-FFF2-40B4-BE49-F238E27FC236}">
-                <a16:creationId xmlns:a16="http://schemas.microsoft.com/office/drawing/2014/main" id="{DC7FD0BB-6467-7609-E83C-89B74A9A74BF}"/>
+                <a16:creationId xmlns:a16="http://schemas.microsoft.com/office/drawing/2014/main" id="{DA4BC202-5C57-F626-BC76-BD27A5898E75}"/>
               </a:ext>
             </a:extLst>
           </p:cNvPr>
@@ -2003,7 +2003,7 @@
           <a:bodyPr/>
           <a:lstStyle/>
           <a:p>
-            <a:fld id="{E0083685-D43B-4DDD-BF01-1726912B6C07}" type="slidenum">
+            <a:fld id="{4168E58A-BFD0-40F4-A8BE-5F72647637DC}" type="slidenum">
               <a:rPr lang="zh-CN" altLang="en-US" smtClean="0"/>
               <a:t>‹#›</a:t>
             </a:fld>
@@ -2014,7 +2014,7 @@
     </p:spTree>
     <p:extLst>
       <p:ext uri="{BB962C8B-B14F-4D97-AF65-F5344CB8AC3E}">
-        <p14:creationId xmlns:p14="http://schemas.microsoft.com/office/powerpoint/2010/main" val="2933313497"/>
+        <p14:creationId xmlns:p14="http://schemas.microsoft.com/office/powerpoint/2010/main" val="2381395567"/>
       </p:ext>
     </p:extLst>
   </p:cSld>
@@ -2046,7 +2046,7 @@
           <p:cNvPr id="2" name="日期占位符 1">
             <a:extLst>
               <a:ext uri="{FF2B5EF4-FFF2-40B4-BE49-F238E27FC236}">
-                <a16:creationId xmlns:a16="http://schemas.microsoft.com/office/drawing/2014/main" id="{5D67CEB9-DD9C-1674-32F1-78FA60143F8D}"/>
+                <a16:creationId xmlns:a16="http://schemas.microsoft.com/office/drawing/2014/main" id="{151BCDC4-FD8D-229A-3CA6-7BEDB0647798}"/>
               </a:ext>
             </a:extLst>
           </p:cNvPr>
@@ -2062,7 +2062,7 @@
           <a:bodyPr/>
           <a:lstStyle/>
           <a:p>
-            <a:fld id="{3925E611-F33B-4D86-A510-E589A1F82987}" type="datetimeFigureOut">
+            <a:fld id="{93CA90A2-DA60-4070-AE4C-2C549AB3BE48}" type="datetimeFigureOut">
               <a:rPr lang="zh-CN" altLang="en-US" smtClean="0"/>
               <a:t>2024/3/10</a:t>
             </a:fld>
@@ -2075,7 +2075,7 @@
           <p:cNvPr id="3" name="页脚占位符 2">
             <a:extLst>
               <a:ext uri="{FF2B5EF4-FFF2-40B4-BE49-F238E27FC236}">
-                <a16:creationId xmlns:a16="http://schemas.microsoft.com/office/drawing/2014/main" id="{87736C1A-4CDF-59E0-03E1-1C01D373AB62}"/>
+                <a16:creationId xmlns:a16="http://schemas.microsoft.com/office/drawing/2014/main" id="{04695589-66E4-70CF-A7F7-A919F9FF7AA5}"/>
               </a:ext>
             </a:extLst>
           </p:cNvPr>
@@ -2100,7 +2100,7 @@
           <p:cNvPr id="4" name="灯片编号占位符 3">
             <a:extLst>
               <a:ext uri="{FF2B5EF4-FFF2-40B4-BE49-F238E27FC236}">
-                <a16:creationId xmlns:a16="http://schemas.microsoft.com/office/drawing/2014/main" id="{E2C7759C-74BD-F0EE-20B0-680F6696E224}"/>
+                <a16:creationId xmlns:a16="http://schemas.microsoft.com/office/drawing/2014/main" id="{FD1F7156-1B52-1D22-5802-4211934584A2}"/>
               </a:ext>
             </a:extLst>
           </p:cNvPr>
@@ -2116,7 +2116,7 @@
           <a:bodyPr/>
           <a:lstStyle/>
           <a:p>
-            <a:fld id="{E0083685-D43B-4DDD-BF01-1726912B6C07}" type="slidenum">
+            <a:fld id="{4168E58A-BFD0-40F4-A8BE-5F72647637DC}" type="slidenum">
               <a:rPr lang="zh-CN" altLang="en-US" smtClean="0"/>
               <a:t>‹#›</a:t>
             </a:fld>
@@ -2127,7 +2127,7 @@
     </p:spTree>
     <p:extLst>
       <p:ext uri="{BB962C8B-B14F-4D97-AF65-F5344CB8AC3E}">
-        <p14:creationId xmlns:p14="http://schemas.microsoft.com/office/powerpoint/2010/main" val="211292329"/>
+        <p14:creationId xmlns:p14="http://schemas.microsoft.com/office/powerpoint/2010/main" val="251163085"/>
       </p:ext>
     </p:extLst>
   </p:cSld>
@@ -2159,7 +2159,7 @@
           <p:cNvPr id="2" name="标题 1">
             <a:extLst>
               <a:ext uri="{FF2B5EF4-FFF2-40B4-BE49-F238E27FC236}">
-                <a16:creationId xmlns:a16="http://schemas.microsoft.com/office/drawing/2014/main" id="{E3823E49-27C1-715E-C1E8-E7EDAA62E4FD}"/>
+                <a16:creationId xmlns:a16="http://schemas.microsoft.com/office/drawing/2014/main" id="{D1A02F5B-4FE5-528C-517C-9D2830F68700}"/>
               </a:ext>
             </a:extLst>
           </p:cNvPr>
@@ -2196,7 +2196,7 @@
           <p:cNvPr id="3" name="内容占位符 2">
             <a:extLst>
               <a:ext uri="{FF2B5EF4-FFF2-40B4-BE49-F238E27FC236}">
-                <a16:creationId xmlns:a16="http://schemas.microsoft.com/office/drawing/2014/main" id="{E9EABB98-77FD-A65A-72DB-C1301B7EA9FA}"/>
+                <a16:creationId xmlns:a16="http://schemas.microsoft.com/office/drawing/2014/main" id="{90C711A5-FDF7-F467-14EA-7DF841539EA5}"/>
               </a:ext>
             </a:extLst>
           </p:cNvPr>
@@ -2286,7 +2286,7 @@
           <p:cNvPr id="4" name="文本占位符 3">
             <a:extLst>
               <a:ext uri="{FF2B5EF4-FFF2-40B4-BE49-F238E27FC236}">
-                <a16:creationId xmlns:a16="http://schemas.microsoft.com/office/drawing/2014/main" id="{1E1FE1FA-258A-7A05-63D2-43DE8F497A1E}"/>
+                <a16:creationId xmlns:a16="http://schemas.microsoft.com/office/drawing/2014/main" id="{FCAE3274-745C-6248-DFDC-07B58B91730B}"/>
               </a:ext>
             </a:extLst>
           </p:cNvPr>
@@ -2357,7 +2357,7 @@
           <p:cNvPr id="5" name="日期占位符 4">
             <a:extLst>
               <a:ext uri="{FF2B5EF4-FFF2-40B4-BE49-F238E27FC236}">
-                <a16:creationId xmlns:a16="http://schemas.microsoft.com/office/drawing/2014/main" id="{E60EF99A-3047-6D5D-75B7-14481D3484F3}"/>
+                <a16:creationId xmlns:a16="http://schemas.microsoft.com/office/drawing/2014/main" id="{F7E3C679-D6A1-02F8-063C-953D09F73546}"/>
               </a:ext>
             </a:extLst>
           </p:cNvPr>
@@ -2373,7 +2373,7 @@
           <a:bodyPr/>
           <a:lstStyle/>
           <a:p>
-            <a:fld id="{3925E611-F33B-4D86-A510-E589A1F82987}" type="datetimeFigureOut">
+            <a:fld id="{93CA90A2-DA60-4070-AE4C-2C549AB3BE48}" type="datetimeFigureOut">
               <a:rPr lang="zh-CN" altLang="en-US" smtClean="0"/>
               <a:t>2024/3/10</a:t>
             </a:fld>
@@ -2386,7 +2386,7 @@
           <p:cNvPr id="6" name="页脚占位符 5">
             <a:extLst>
               <a:ext uri="{FF2B5EF4-FFF2-40B4-BE49-F238E27FC236}">
-                <a16:creationId xmlns:a16="http://schemas.microsoft.com/office/drawing/2014/main" id="{A155FAC0-F939-21C1-29C4-1D2320F091C5}"/>
+                <a16:creationId xmlns:a16="http://schemas.microsoft.com/office/drawing/2014/main" id="{215A5614-40D1-4405-3A61-1B78B9A140F8}"/>
               </a:ext>
             </a:extLst>
           </p:cNvPr>
@@ -2411,7 +2411,7 @@
           <p:cNvPr id="7" name="灯片编号占位符 6">
             <a:extLst>
               <a:ext uri="{FF2B5EF4-FFF2-40B4-BE49-F238E27FC236}">
-                <a16:creationId xmlns:a16="http://schemas.microsoft.com/office/drawing/2014/main" id="{3CC2D696-F0E1-6132-94D8-D19442CFD7E8}"/>
+                <a16:creationId xmlns:a16="http://schemas.microsoft.com/office/drawing/2014/main" id="{FA459093-BBD8-FF71-179B-D503883D2F8B}"/>
               </a:ext>
             </a:extLst>
           </p:cNvPr>
@@ -2427,7 +2427,7 @@
           <a:bodyPr/>
           <a:lstStyle/>
           <a:p>
-            <a:fld id="{E0083685-D43B-4DDD-BF01-1726912B6C07}" type="slidenum">
+            <a:fld id="{4168E58A-BFD0-40F4-A8BE-5F72647637DC}" type="slidenum">
               <a:rPr lang="zh-CN" altLang="en-US" smtClean="0"/>
               <a:t>‹#›</a:t>
             </a:fld>
@@ -2438,7 +2438,7 @@
     </p:spTree>
     <p:extLst>
       <p:ext uri="{BB962C8B-B14F-4D97-AF65-F5344CB8AC3E}">
-        <p14:creationId xmlns:p14="http://schemas.microsoft.com/office/powerpoint/2010/main" val="899535739"/>
+        <p14:creationId xmlns:p14="http://schemas.microsoft.com/office/powerpoint/2010/main" val="3293803495"/>
       </p:ext>
     </p:extLst>
   </p:cSld>
@@ -2470,7 +2470,7 @@
           <p:cNvPr id="2" name="标题 1">
             <a:extLst>
               <a:ext uri="{FF2B5EF4-FFF2-40B4-BE49-F238E27FC236}">
-                <a16:creationId xmlns:a16="http://schemas.microsoft.com/office/drawing/2014/main" id="{6982A29C-4C0F-50D4-BC1A-DC7E0D71DAEC}"/>
+                <a16:creationId xmlns:a16="http://schemas.microsoft.com/office/drawing/2014/main" id="{69ED6643-F466-F54B-52EF-842480846B39}"/>
               </a:ext>
             </a:extLst>
           </p:cNvPr>
@@ -2507,7 +2507,7 @@
           <p:cNvPr id="3" name="图片占位符 2">
             <a:extLst>
               <a:ext uri="{FF2B5EF4-FFF2-40B4-BE49-F238E27FC236}">
-                <a16:creationId xmlns:a16="http://schemas.microsoft.com/office/drawing/2014/main" id="{51421ECB-D3B3-4B1C-4B57-DAB07DB107F8}"/>
+                <a16:creationId xmlns:a16="http://schemas.microsoft.com/office/drawing/2014/main" id="{34C9468C-5640-0919-F14E-6CFB977FE52B}"/>
               </a:ext>
             </a:extLst>
           </p:cNvPr>
@@ -2574,7 +2574,7 @@
           <p:cNvPr id="4" name="文本占位符 3">
             <a:extLst>
               <a:ext uri="{FF2B5EF4-FFF2-40B4-BE49-F238E27FC236}">
-                <a16:creationId xmlns:a16="http://schemas.microsoft.com/office/drawing/2014/main" id="{FF27F276-B972-5505-5FD4-AE299C402453}"/>
+                <a16:creationId xmlns:a16="http://schemas.microsoft.com/office/drawing/2014/main" id="{6B2E8672-E286-C518-25AF-60A5D66B6009}"/>
               </a:ext>
             </a:extLst>
           </p:cNvPr>
@@ -2645,7 +2645,7 @@
           <p:cNvPr id="5" name="日期占位符 4">
             <a:extLst>
               <a:ext uri="{FF2B5EF4-FFF2-40B4-BE49-F238E27FC236}">
-                <a16:creationId xmlns:a16="http://schemas.microsoft.com/office/drawing/2014/main" id="{B0AA8147-3C76-DED2-2447-964A774557AF}"/>
+                <a16:creationId xmlns:a16="http://schemas.microsoft.com/office/drawing/2014/main" id="{F428DC5F-38CF-8EBC-E6C1-A3856D07E68C}"/>
               </a:ext>
             </a:extLst>
           </p:cNvPr>
@@ -2661,7 +2661,7 @@
           <a:bodyPr/>
           <a:lstStyle/>
           <a:p>
-            <a:fld id="{3925E611-F33B-4D86-A510-E589A1F82987}" type="datetimeFigureOut">
+            <a:fld id="{93CA90A2-DA60-4070-AE4C-2C549AB3BE48}" type="datetimeFigureOut">
               <a:rPr lang="zh-CN" altLang="en-US" smtClean="0"/>
               <a:t>2024/3/10</a:t>
             </a:fld>
@@ -2674,7 +2674,7 @@
           <p:cNvPr id="6" name="页脚占位符 5">
             <a:extLst>
               <a:ext uri="{FF2B5EF4-FFF2-40B4-BE49-F238E27FC236}">
-                <a16:creationId xmlns:a16="http://schemas.microsoft.com/office/drawing/2014/main" id="{C7845653-30BC-AE86-099D-B94516B55723}"/>
+                <a16:creationId xmlns:a16="http://schemas.microsoft.com/office/drawing/2014/main" id="{35933F22-16AF-93D7-EE54-5CF1D2ED52AA}"/>
               </a:ext>
             </a:extLst>
           </p:cNvPr>
@@ -2699,7 +2699,7 @@
           <p:cNvPr id="7" name="灯片编号占位符 6">
             <a:extLst>
               <a:ext uri="{FF2B5EF4-FFF2-40B4-BE49-F238E27FC236}">
-                <a16:creationId xmlns:a16="http://schemas.microsoft.com/office/drawing/2014/main" id="{3EA5747A-4DF9-C2A5-A91A-571942094F9B}"/>
+                <a16:creationId xmlns:a16="http://schemas.microsoft.com/office/drawing/2014/main" id="{45C4909B-5D62-7AEF-139A-81EAC13AABD8}"/>
               </a:ext>
             </a:extLst>
           </p:cNvPr>
@@ -2715,7 +2715,7 @@
           <a:bodyPr/>
           <a:lstStyle/>
           <a:p>
-            <a:fld id="{E0083685-D43B-4DDD-BF01-1726912B6C07}" type="slidenum">
+            <a:fld id="{4168E58A-BFD0-40F4-A8BE-5F72647637DC}" type="slidenum">
               <a:rPr lang="zh-CN" altLang="en-US" smtClean="0"/>
               <a:t>‹#›</a:t>
             </a:fld>
@@ -2726,7 +2726,7 @@
     </p:spTree>
     <p:extLst>
       <p:ext uri="{BB962C8B-B14F-4D97-AF65-F5344CB8AC3E}">
-        <p14:creationId xmlns:p14="http://schemas.microsoft.com/office/powerpoint/2010/main" val="147974932"/>
+        <p14:creationId xmlns:p14="http://schemas.microsoft.com/office/powerpoint/2010/main" val="208790199"/>
       </p:ext>
     </p:extLst>
   </p:cSld>
@@ -2763,7 +2763,7 @@
           <p:cNvPr id="2" name="标题占位符 1">
             <a:extLst>
               <a:ext uri="{FF2B5EF4-FFF2-40B4-BE49-F238E27FC236}">
-                <a16:creationId xmlns:a16="http://schemas.microsoft.com/office/drawing/2014/main" id="{EBFB0A08-F323-DB79-B021-A4466A87ECBC}"/>
+                <a16:creationId xmlns:a16="http://schemas.microsoft.com/office/drawing/2014/main" id="{DBB04AB1-FEAE-1A6A-E3C0-083F5BF1241B}"/>
               </a:ext>
             </a:extLst>
           </p:cNvPr>
@@ -2801,7 +2801,7 @@
           <p:cNvPr id="3" name="文本占位符 2">
             <a:extLst>
               <a:ext uri="{FF2B5EF4-FFF2-40B4-BE49-F238E27FC236}">
-                <a16:creationId xmlns:a16="http://schemas.microsoft.com/office/drawing/2014/main" id="{A604D8D9-71F2-A42E-A8FB-4C646E6BE239}"/>
+                <a16:creationId xmlns:a16="http://schemas.microsoft.com/office/drawing/2014/main" id="{BA85445E-8E2D-C8B0-6D72-0B4FC10082FA}"/>
               </a:ext>
             </a:extLst>
           </p:cNvPr>
@@ -2868,7 +2868,7 @@
           <p:cNvPr id="4" name="日期占位符 3">
             <a:extLst>
               <a:ext uri="{FF2B5EF4-FFF2-40B4-BE49-F238E27FC236}">
-                <a16:creationId xmlns:a16="http://schemas.microsoft.com/office/drawing/2014/main" id="{89C27781-2E34-3B35-6587-57236C98CD4B}"/>
+                <a16:creationId xmlns:a16="http://schemas.microsoft.com/office/drawing/2014/main" id="{B357A3CD-846C-F52D-1625-11652246CF98}"/>
               </a:ext>
             </a:extLst>
           </p:cNvPr>
@@ -2902,7 +2902,7 @@
             </a:lvl1pPr>
           </a:lstStyle>
           <a:p>
-            <a:fld id="{3925E611-F33B-4D86-A510-E589A1F82987}" type="datetimeFigureOut">
+            <a:fld id="{93CA90A2-DA60-4070-AE4C-2C549AB3BE48}" type="datetimeFigureOut">
               <a:rPr lang="zh-CN" altLang="en-US" smtClean="0"/>
               <a:t>2024/3/10</a:t>
             </a:fld>
@@ -2915,7 +2915,7 @@
           <p:cNvPr id="5" name="页脚占位符 4">
             <a:extLst>
               <a:ext uri="{FF2B5EF4-FFF2-40B4-BE49-F238E27FC236}">
-                <a16:creationId xmlns:a16="http://schemas.microsoft.com/office/drawing/2014/main" id="{B84B3340-CD19-0AE0-724D-2F5194DE50FA}"/>
+                <a16:creationId xmlns:a16="http://schemas.microsoft.com/office/drawing/2014/main" id="{FC5B48BB-6A74-9BB8-758C-DB72E16880EA}"/>
               </a:ext>
             </a:extLst>
           </p:cNvPr>
@@ -2958,7 +2958,7 @@
           <p:cNvPr id="6" name="灯片编号占位符 5">
             <a:extLst>
               <a:ext uri="{FF2B5EF4-FFF2-40B4-BE49-F238E27FC236}">
-                <a16:creationId xmlns:a16="http://schemas.microsoft.com/office/drawing/2014/main" id="{980AC9DA-E251-C972-3E01-D8F97AC83E76}"/>
+                <a16:creationId xmlns:a16="http://schemas.microsoft.com/office/drawing/2014/main" id="{201FF211-87B8-688E-F2A8-602488095911}"/>
               </a:ext>
             </a:extLst>
           </p:cNvPr>
@@ -2992,7 +2992,7 @@
             </a:lvl1pPr>
           </a:lstStyle>
           <a:p>
-            <a:fld id="{E0083685-D43B-4DDD-BF01-1726912B6C07}" type="slidenum">
+            <a:fld id="{4168E58A-BFD0-40F4-A8BE-5F72647637DC}" type="slidenum">
               <a:rPr lang="zh-CN" altLang="en-US" smtClean="0"/>
               <a:t>‹#›</a:t>
             </a:fld>
@@ -3003,7 +3003,7 @@
     </p:spTree>
     <p:extLst>
       <p:ext uri="{BB962C8B-B14F-4D97-AF65-F5344CB8AC3E}">
-        <p14:creationId xmlns:p14="http://schemas.microsoft.com/office/powerpoint/2010/main" val="3986236627"/>
+        <p14:creationId xmlns:p14="http://schemas.microsoft.com/office/powerpoint/2010/main" val="3992517773"/>
       </p:ext>
     </p:extLst>
   </p:cSld>
@@ -3323,7 +3323,7 @@
       </p:grpSpPr>
       <p:pic>
         <p:nvPicPr>
-          <p:cNvPr id="671746" name="Picture 2" descr="655"/>
+          <p:cNvPr id="672770" name="Picture 2" descr="656"/>
           <p:cNvPicPr>
             <a:picLocks noChangeAspect="1" noChangeArrowheads="1"/>
           </p:cNvPicPr>
@@ -3345,7 +3345,7 @@
         <p:spPr bwMode="auto">
           <a:xfrm>
             <a:off x="1524000" y="0"/>
-            <a:ext cx="9144000" cy="6858000"/>
+            <a:ext cx="9144000" cy="6597650"/>
           </a:xfrm>
           <a:prstGeom prst="rect">
             <a:avLst/>
